--- a/portfolio-dashboard-template.pptx
+++ b/portfolio-dashboard-template.pptx
@@ -21592,7 +21592,7 @@
           <a:graphicData uri="http://schemas.openxmlformats.org/presentationml/2006/ole">
             <mc:AlternateContent xmlns:mc="http://schemas.openxmlformats.org/markup-compatibility/2006">
               <mc:Choice xmlns:v="urn:schemas-microsoft-com:vml" Requires="v">
-                <p:oleObj spid="_x0000_s3075" name="Bitmap Image" r:id="rId4" imgW="5311080" imgH="1775520" progId="Paint.Picture">
+                <p:oleObj spid="_x0000_s3076" name="Bitmap Image" r:id="rId4" imgW="5311080" imgH="1775520" progId="Paint.Picture">
                   <p:embed/>
                 </p:oleObj>
               </mc:Choice>
@@ -21793,7 +21793,7 @@
           <a:graphicData uri="http://schemas.openxmlformats.org/presentationml/2006/ole">
             <mc:AlternateContent xmlns:mc="http://schemas.openxmlformats.org/markup-compatibility/2006">
               <mc:Choice xmlns:v="urn:schemas-microsoft-com:vml" Requires="v">
-                <p:oleObj spid="_x0000_s4099" name="Bitmap Image" r:id="rId4" imgW="4229280" imgH="4137840" progId="Paint.Picture">
+                <p:oleObj spid="_x0000_s4100" name="Bitmap Image" r:id="rId4" imgW="4229280" imgH="4137840" progId="Paint.Picture">
                   <p:embed/>
                 </p:oleObj>
               </mc:Choice>
@@ -23876,7 +23876,7 @@
         <p:spPr>
           <a:xfrm>
             <a:off x="2680436" y="1400043"/>
-            <a:ext cx="18906575" cy="8402300"/>
+            <a:ext cx="18906575" cy="10064294"/>
           </a:xfrm>
           <a:prstGeom prst="rect">
             <a:avLst/>
@@ -23901,6 +23901,50 @@
               </a:rPr>
               <a:t>This project is a simple and clean dashboard template with robust log in and registration authentication.</a:t>
             </a:r>
+          </a:p>
+          <a:p>
+            <a:pPr algn="just"/>
+            <a:endParaRPr lang="en-US" sz="5400" dirty="0">
+              <a:solidFill>
+                <a:schemeClr val="tx2"/>
+              </a:solidFill>
+              <a:latin typeface="Nunito" charset="0"/>
+              <a:ea typeface="Nunito" charset="0"/>
+              <a:cs typeface="Nunito" charset="0"/>
+            </a:endParaRPr>
+          </a:p>
+          <a:p>
+            <a:pPr algn="just"/>
+            <a:r>
+              <a:rPr lang="en-US" sz="5400" dirty="0">
+                <a:solidFill>
+                  <a:schemeClr val="tx2"/>
+                </a:solidFill>
+                <a:latin typeface="Nunito" charset="0"/>
+                <a:ea typeface="Nunito" charset="0"/>
+                <a:cs typeface="Nunito" charset="0"/>
+              </a:rPr>
+              <a:t>The session is maintained using JSON </a:t>
+            </a:r>
+            <a:r>
+              <a:rPr lang="en-US" sz="5400">
+                <a:solidFill>
+                  <a:schemeClr val="tx2"/>
+                </a:solidFill>
+                <a:latin typeface="Nunito" charset="0"/>
+                <a:ea typeface="Nunito" charset="0"/>
+                <a:cs typeface="Nunito" charset="0"/>
+              </a:rPr>
+              <a:t>Web Token(JWT)</a:t>
+            </a:r>
+            <a:endParaRPr lang="en-US" sz="5400" dirty="0">
+              <a:solidFill>
+                <a:schemeClr val="tx2"/>
+              </a:solidFill>
+              <a:latin typeface="Nunito" charset="0"/>
+              <a:ea typeface="Nunito" charset="0"/>
+              <a:cs typeface="Nunito" charset="0"/>
+            </a:endParaRPr>
           </a:p>
           <a:p>
             <a:pPr algn="just"/>
